--- a/presentation.pptx
+++ b/presentation.pptx
@@ -112,6 +112,11 @@
       </a:defRPr>
     </a:lvl9pPr>
   </p:defaultTextStyle>
+  <p:extLst>
+    <p:ext uri="{EFAFB233-063F-42B5-8137-9DF3F51BA10A}">
+      <p15:sldGuideLst xmlns:p15="http://schemas.microsoft.com/office/powerpoint/2012/main"/>
+    </p:ext>
+  </p:extLst>
 </p:presentation>
 </file>
 
@@ -4784,10 +4789,13 @@
             <a:endParaRPr lang="en-GB" dirty="0"/>
           </a:p>
           <a:p>
-            <a:pPr>
-              <a:buFont typeface="Wingdings" pitchFamily="2" charset="2"/>
-              <a:buChar char="§"/>
-            </a:pPr>
+            <a:pPr lvl="1"/>
+            <a:r>
+              <a:rPr lang="en-GB" dirty="0"/>
+              <a:t>Flask RESTful</a:t>
+            </a:r>
+          </a:p>
+          <a:p>
             <a:r>
               <a:rPr lang="en-GB" dirty="0"/>
               <a:t>Requests</a:t>
